--- a/Praxis/Defense/Wacey Praxis Defense.pptx
+++ b/Praxis/Defense/Wacey Praxis Defense.pptx
@@ -296,7 +296,7 @@
       <p15:sldGuideLst xmlns:p15="http://schemas.microsoft.com/office/powerpoint/2012/main"/>
     </p:ext>
     <p:ext uri="http://customooxmlschemas.google.com/">
-      <go:slidesCustomData xmlns:go="http://customooxmlschemas.google.com/" xmlns:ahyp="http://schemas.microsoft.com/office/drawing/2018/hyperlinkcolor" xmlns:p15="http://schemas.microsoft.com/office/powerpoint/2012/main" xmlns:p14="http://schemas.microsoft.com/office/powerpoint/2010/main" xmlns:com="http://schemas.openxmlformats.org/drawingml/2006/compatibility" xmlns:pvml="urn:schemas-microsoft-com:office:powerpoint" xmlns:v="urn:schemas-microsoft-com:vml" xmlns:o="urn:schemas-microsoft-com:office:office" xmlns:dgm="http://schemas.openxmlformats.org/drawingml/2006/diagram" xmlns:c="http://schemas.openxmlformats.org/drawingml/2006/chart" xmlns:mv="urn:schemas-microsoft-com:mac:vml" xmlns:mc="http://schemas.openxmlformats.org/markup-compatibility/2006" xmlns="" r:id="rId80" roundtripDataSignature="AMtx7miDNVSbFq7dyO4335j4J4+rkAmYEQ=="/>
+      <go:slidesCustomData xmlns="" xmlns:mc="http://schemas.openxmlformats.org/markup-compatibility/2006" xmlns:mv="urn:schemas-microsoft-com:mac:vml" xmlns:c="http://schemas.openxmlformats.org/drawingml/2006/chart" xmlns:dgm="http://schemas.openxmlformats.org/drawingml/2006/diagram" xmlns:o="urn:schemas-microsoft-com:office:office" xmlns:v="urn:schemas-microsoft-com:vml" xmlns:pvml="urn:schemas-microsoft-com:office:powerpoint" xmlns:com="http://schemas.openxmlformats.org/drawingml/2006/compatibility" xmlns:p14="http://schemas.microsoft.com/office/powerpoint/2010/main" xmlns:p15="http://schemas.microsoft.com/office/powerpoint/2012/main" xmlns:ahyp="http://schemas.microsoft.com/office/drawing/2018/hyperlinkcolor" xmlns:go="http://customooxmlschemas.google.com/" r:id="rId80" roundtripDataSignature="AMtx7miDNVSbFq7dyO4335j4J4+rkAmYEQ=="/>
     </p:ext>
   </p:extLst>
 </p:presentation>
@@ -2568,7 +2568,15 @@
             </a:r>
             <a:r>
               <a:rPr lang="en-US" dirty="0"/>
-              <a:t>"Welcome to my presentation on Mnemosyne. In Greek mythology, Mnemosyne is the goddess of memory and the mother of the Muses. I chose this name for my research because, at its core, this praxis is about solving the problem of 'memory'—specifically, the limited context window—in Large Language Models. I am honored to present this work to my committee: Dr. Amir Etemadi, Dr. Mohamed </a:t>
+              <a:t>"Welcome to my presentation on Mnemosyne. In Greek mythology, Mnemosyne is the goddess of memory and the mother of the Muses. I chose this name for my research because, at its core, this praxis is about solving the problem of 'memory'—specifically, the limited context window—in Large Language Models. I am honored to present this work to my committee: Dr. John M. </a:t>
+            </a:r>
+            <a:r>
+              <a:rPr lang="en-US"/>
+              <a:t>Fossaceca, </a:t>
+            </a:r>
+            <a:r>
+              <a:rPr lang="en-US" dirty="0"/>
+              <a:t>Dr. Mohamed </a:t>
             </a:r>
             <a:r>
               <a:rPr lang="en-US" dirty="0" err="1"/>
@@ -17989,8 +17997,8 @@
         </p:nvSpPr>
         <p:spPr>
           <a:xfrm>
-            <a:off x="3150704" y="4960409"/>
-            <a:ext cx="8389575" cy="307777"/>
+            <a:off x="2486026" y="4960409"/>
+            <a:ext cx="9054254" cy="307777"/>
           </a:xfrm>
           <a:prstGeom prst="rect">
             <a:avLst/>
@@ -18003,14 +18011,30 @@
           </a:bodyPr>
           <a:lstStyle/>
           <a:p>
-            <a:pPr algn="ctr"/>
+            <a:pPr algn="r"/>
             <a:r>
               <a:rPr lang="en-US" dirty="0">
                 <a:solidFill>
                   <a:schemeClr val="bg1"/>
                 </a:solidFill>
               </a:rPr>
-              <a:t>Michael Wacey | Presented to: Amir Etemadi, Mohamed </a:t>
+              <a:t>Michael Wacey | Presented to: John </a:t>
+            </a:r>
+            <a:r>
+              <a:rPr lang="en-US" dirty="0" err="1">
+                <a:solidFill>
+                  <a:schemeClr val="bg1"/>
+                </a:solidFill>
+              </a:rPr>
+              <a:t>Fossaceca</a:t>
+            </a:r>
+            <a:r>
+              <a:rPr lang="en-US" dirty="0">
+                <a:solidFill>
+                  <a:schemeClr val="bg1"/>
+                </a:solidFill>
+              </a:rPr>
+              <a:t>, Mohamed </a:t>
             </a:r>
             <a:r>
               <a:rPr lang="en-US" dirty="0" err="1">
